--- a/SIM7020E.pptx
+++ b/SIM7020E.pptx
@@ -207,7 +207,7 @@
           <a:p>
             <a:fld id="{93CD0C4C-5AA9-404A-9A0E-C954F7D8F966}" type="datetimeFigureOut">
               <a:rPr lang="en-US" smtClean="0"/>
-              <a:t>8/28/2019</a:t>
+              <a:t>10/29/2019</a:t>
             </a:fld>
             <a:endParaRPr lang="en-US"/>
           </a:p>
@@ -606,7 +606,7 @@
           <a:p>
             <a:fld id="{3486B2C1-758F-4C41-850C-AB7CBBC34A9B}" type="datetimeFigureOut">
               <a:rPr lang="zh-TW" altLang="en-US" smtClean="0"/>
-              <a:t>2019/8/28</a:t>
+              <a:t>2019/10/29</a:t>
             </a:fld>
             <a:endParaRPr lang="zh-TW" altLang="en-US"/>
           </a:p>
@@ -776,7 +776,7 @@
           <a:p>
             <a:fld id="{3486B2C1-758F-4C41-850C-AB7CBBC34A9B}" type="datetimeFigureOut">
               <a:rPr lang="zh-TW" altLang="en-US" smtClean="0"/>
-              <a:t>2019/8/28</a:t>
+              <a:t>2019/10/29</a:t>
             </a:fld>
             <a:endParaRPr lang="zh-TW" altLang="en-US"/>
           </a:p>
@@ -956,7 +956,7 @@
           <a:p>
             <a:fld id="{3486B2C1-758F-4C41-850C-AB7CBBC34A9B}" type="datetimeFigureOut">
               <a:rPr lang="zh-TW" altLang="en-US" smtClean="0"/>
-              <a:t>2019/8/28</a:t>
+              <a:t>2019/10/29</a:t>
             </a:fld>
             <a:endParaRPr lang="zh-TW" altLang="en-US"/>
           </a:p>
@@ -1130,7 +1130,7 @@
           <a:p>
             <a:fld id="{3486B2C1-758F-4C41-850C-AB7CBBC34A9B}" type="datetimeFigureOut">
               <a:rPr lang="zh-TW" altLang="en-US" smtClean="0"/>
-              <a:t>2019/8/28</a:t>
+              <a:t>2019/10/29</a:t>
             </a:fld>
             <a:endParaRPr lang="zh-TW" altLang="en-US"/>
           </a:p>
@@ -1376,7 +1376,7 @@
           <a:p>
             <a:fld id="{3486B2C1-758F-4C41-850C-AB7CBBC34A9B}" type="datetimeFigureOut">
               <a:rPr lang="zh-TW" altLang="en-US" smtClean="0"/>
-              <a:t>2019/8/28</a:t>
+              <a:t>2019/10/29</a:t>
             </a:fld>
             <a:endParaRPr lang="zh-TW" altLang="en-US"/>
           </a:p>
@@ -1612,7 +1612,7 @@
           <a:p>
             <a:fld id="{3486B2C1-758F-4C41-850C-AB7CBBC34A9B}" type="datetimeFigureOut">
               <a:rPr lang="zh-TW" altLang="en-US" smtClean="0"/>
-              <a:t>2019/8/28</a:t>
+              <a:t>2019/10/29</a:t>
             </a:fld>
             <a:endParaRPr lang="zh-TW" altLang="en-US"/>
           </a:p>
@@ -1983,7 +1983,7 @@
           <a:p>
             <a:fld id="{3486B2C1-758F-4C41-850C-AB7CBBC34A9B}" type="datetimeFigureOut">
               <a:rPr lang="zh-TW" altLang="en-US" smtClean="0"/>
-              <a:t>2019/8/28</a:t>
+              <a:t>2019/10/29</a:t>
             </a:fld>
             <a:endParaRPr lang="zh-TW" altLang="en-US"/>
           </a:p>
@@ -2105,7 +2105,7 @@
           <a:p>
             <a:fld id="{3486B2C1-758F-4C41-850C-AB7CBBC34A9B}" type="datetimeFigureOut">
               <a:rPr lang="zh-TW" altLang="en-US" smtClean="0"/>
-              <a:t>2019/8/28</a:t>
+              <a:t>2019/10/29</a:t>
             </a:fld>
             <a:endParaRPr lang="zh-TW" altLang="en-US"/>
           </a:p>
@@ -2200,7 +2200,7 @@
           <a:p>
             <a:fld id="{3486B2C1-758F-4C41-850C-AB7CBBC34A9B}" type="datetimeFigureOut">
               <a:rPr lang="zh-TW" altLang="en-US" smtClean="0"/>
-              <a:t>2019/8/28</a:t>
+              <a:t>2019/10/29</a:t>
             </a:fld>
             <a:endParaRPr lang="zh-TW" altLang="en-US"/>
           </a:p>
@@ -2477,7 +2477,7 @@
           <a:p>
             <a:fld id="{3486B2C1-758F-4C41-850C-AB7CBBC34A9B}" type="datetimeFigureOut">
               <a:rPr lang="zh-TW" altLang="en-US" smtClean="0"/>
-              <a:t>2019/8/28</a:t>
+              <a:t>2019/10/29</a:t>
             </a:fld>
             <a:endParaRPr lang="zh-TW" altLang="en-US"/>
           </a:p>
@@ -2730,7 +2730,7 @@
           <a:p>
             <a:fld id="{3486B2C1-758F-4C41-850C-AB7CBBC34A9B}" type="datetimeFigureOut">
               <a:rPr lang="zh-TW" altLang="en-US" smtClean="0"/>
-              <a:t>2019/8/28</a:t>
+              <a:t>2019/10/29</a:t>
             </a:fld>
             <a:endParaRPr lang="zh-TW" altLang="en-US"/>
           </a:p>
@@ -2943,7 +2943,7 @@
           <a:p>
             <a:fld id="{3486B2C1-758F-4C41-850C-AB7CBBC34A9B}" type="datetimeFigureOut">
               <a:rPr lang="zh-TW" altLang="en-US" smtClean="0"/>
-              <a:t>2019/8/28</a:t>
+              <a:t>2019/10/29</a:t>
             </a:fld>
             <a:endParaRPr lang="zh-TW" altLang="en-US"/>
           </a:p>
@@ -3609,23 +3609,7 @@
                   <a:srgbClr val="FF0000"/>
                 </a:solidFill>
               </a:rPr>
-              <a:t>只可</a:t>
-            </a:r>
-            <a:r>
-              <a:rPr lang="zh-TW" altLang="en-US" dirty="0" smtClean="0">
-                <a:solidFill>
-                  <a:srgbClr val="FF0000"/>
-                </a:solidFill>
-              </a:rPr>
-              <a:t>以</a:t>
-            </a:r>
-            <a:r>
-              <a:rPr lang="zh-TW" altLang="en-US" dirty="0" smtClean="0">
-                <a:solidFill>
-                  <a:srgbClr val="FF0000"/>
-                </a:solidFill>
-              </a:rPr>
-              <a:t>接</a:t>
+              <a:t>只可以接</a:t>
             </a:r>
             <a:r>
               <a:rPr lang="en-US" altLang="zh-TW" dirty="0" smtClean="0">
@@ -3633,15 +3617,7 @@
                   <a:srgbClr val="FF0000"/>
                 </a:solidFill>
               </a:rPr>
-              <a:t>3.3</a:t>
-            </a:r>
-            <a:r>
-              <a:rPr lang="en-US" altLang="zh-TW" dirty="0" smtClean="0">
-                <a:solidFill>
-                  <a:srgbClr val="FF0000"/>
-                </a:solidFill>
-              </a:rPr>
-              <a:t>V</a:t>
+              <a:t>3.3V</a:t>
             </a:r>
           </a:p>
           <a:p>
@@ -5067,7 +5043,7 @@
         </p:nvSpPr>
         <p:spPr>
           <a:xfrm>
-            <a:off x="838200" y="1979112"/>
+            <a:off x="838200" y="2057489"/>
             <a:ext cx="10710797" cy="3985706"/>
           </a:xfrm>
           <a:prstGeom prst="rect">
@@ -5381,7 +5357,7 @@
         <p:spPr>
           <a:xfrm>
             <a:off x="838200" y="1979112"/>
-            <a:ext cx="10710797" cy="3970318"/>
+            <a:ext cx="10710797" cy="4247317"/>
           </a:xfrm>
           <a:prstGeom prst="rect">
             <a:avLst/>
@@ -5507,8 +5483,23 @@
             </a:r>
             <a:r>
               <a:rPr lang="en-US" altLang="zh-TW" sz="1400" dirty="0" smtClean="0"/>
+              <a:t>“</a:t>
+            </a:r>
+          </a:p>
+          <a:p>
+            <a:r>
+              <a:rPr lang="en-US" dirty="0"/>
+              <a:t>AT*MCGDEFCONT="IP","</a:t>
+            </a:r>
+            <a:r>
+              <a:rPr lang="en-US" dirty="0" err="1"/>
+              <a:t>internet.iot</a:t>
+            </a:r>
+            <a:r>
+              <a:rPr lang="en-US" dirty="0"/>
               <a:t>"</a:t>
             </a:r>
+            <a:endParaRPr lang="en-US" altLang="zh-TW" sz="1400" dirty="0" smtClean="0"/>
           </a:p>
           <a:p>
             <a:r>
@@ -5726,11 +5717,7 @@
             </a:r>
             <a:r>
               <a:rPr lang="zh-TW" altLang="en-US" dirty="0" smtClean="0"/>
-              <a:t>連</a:t>
-            </a:r>
-            <a:r>
-              <a:rPr lang="zh-TW" altLang="en-US" dirty="0" smtClean="0"/>
-              <a:t>線方式</a:t>
+              <a:t>連線方式</a:t>
             </a:r>
             <a:endParaRPr lang="zh-TW" altLang="en-US" dirty="0"/>
           </a:p>
@@ -5746,7 +5733,12 @@
             <p:ph idx="1"/>
           </p:nvPr>
         </p:nvSpPr>
-        <p:spPr/>
+        <p:spPr>
+          <a:xfrm>
+            <a:off x="672291" y="1905794"/>
+            <a:ext cx="10515600" cy="4351338"/>
+          </a:xfrm>
+        </p:spPr>
         <p:txBody>
           <a:bodyPr>
             <a:noAutofit/>
